--- a/presentation slide/Soltani_9823033.pptx
+++ b/presentation slide/Soltani_9823033.pptx
@@ -29417,119 +29417,62 @@
               <a:t> ، </a:t>
             </a:r>
             <a:r>
+              <a:rPr lang="en-US" dirty="0" err="1">
+                <a:cs typeface="B Nazanin" panose="00000400000000000000" pitchFamily="2" charset="-78"/>
+              </a:rPr>
+              <a:t>gan</a:t>
+            </a:r>
+            <a:r>
               <a:rPr lang="en-US" dirty="0">
                 <a:cs typeface="B Nazanin" panose="00000400000000000000" pitchFamily="2" charset="-78"/>
               </a:rPr>
-              <a:t>conditional </a:t>
-            </a:r>
-            <a:r>
-              <a:rPr lang="en-US" dirty="0" err="1">
-                <a:cs typeface="B Nazanin" panose="00000400000000000000" pitchFamily="2" charset="-78"/>
-              </a:rPr>
-              <a:t>wgan</a:t>
+              <a:t> </a:t>
             </a:r>
             <a:r>
               <a:rPr lang="fa-IR" dirty="0">
                 <a:cs typeface="B Nazanin" panose="00000400000000000000" pitchFamily="2" charset="-78"/>
               </a:rPr>
+              <a:t> به همراه </a:t>
+            </a:r>
+            <a:r>
+              <a:rPr lang="en-US" dirty="0">
+                <a:cs typeface="B Nazanin" panose="00000400000000000000" pitchFamily="2" charset="-78"/>
+              </a:rPr>
+              <a:t>spatial and temporal transformation</a:t>
+            </a:r>
+            <a:r>
+              <a:rPr lang="fa-IR" dirty="0">
+                <a:cs typeface="B Nazanin" panose="00000400000000000000" pitchFamily="2" charset="-78"/>
+              </a:rPr>
               <a:t> ، </a:t>
             </a:r>
             <a:r>
-              <a:rPr lang="en-US" dirty="0" err="1">
-                <a:cs typeface="B Nazanin" panose="00000400000000000000" pitchFamily="2" charset="-78"/>
-              </a:rPr>
-              <a:t>gan</a:t>
-            </a:r>
-            <a:r>
               <a:rPr lang="en-US" dirty="0">
                 <a:cs typeface="B Nazanin" panose="00000400000000000000" pitchFamily="2" charset="-78"/>
               </a:rPr>
-              <a:t> </a:t>
+              <a:t>WGAN</a:t>
             </a:r>
             <a:r>
               <a:rPr lang="fa-IR" dirty="0">
                 <a:cs typeface="B Nazanin" panose="00000400000000000000" pitchFamily="2" charset="-78"/>
               </a:rPr>
-              <a:t> به همراه </a:t>
-            </a:r>
-            <a:r>
-              <a:rPr lang="en-US" dirty="0" err="1">
-                <a:cs typeface="B Nazanin" panose="00000400000000000000" pitchFamily="2" charset="-78"/>
-              </a:rPr>
-              <a:t>gmm</a:t>
-            </a:r>
-            <a:r>
-              <a:rPr lang="fa-IR" dirty="0">
-                <a:cs typeface="B Nazanin" panose="00000400000000000000" pitchFamily="2" charset="-78"/>
-              </a:rPr>
               <a:t> ، </a:t>
             </a:r>
             <a:r>
-              <a:rPr lang="en-US" dirty="0" err="1">
-                <a:cs typeface="B Nazanin" panose="00000400000000000000" pitchFamily="2" charset="-78"/>
-              </a:rPr>
-              <a:t>gan</a:t>
-            </a:r>
-            <a:r>
               <a:rPr lang="en-US" dirty="0">
                 <a:cs typeface="B Nazanin" panose="00000400000000000000" pitchFamily="2" charset="-78"/>
               </a:rPr>
-              <a:t> </a:t>
-            </a:r>
-            <a:r>
-              <a:rPr lang="fa-IR" dirty="0">
-                <a:cs typeface="B Nazanin" panose="00000400000000000000" pitchFamily="2" charset="-78"/>
-              </a:rPr>
-              <a:t> به همراه </a:t>
-            </a:r>
-            <a:r>
-              <a:rPr lang="en-US" dirty="0">
-                <a:cs typeface="B Nazanin" panose="00000400000000000000" pitchFamily="2" charset="-78"/>
-              </a:rPr>
-              <a:t>spatial and temporal transformation</a:t>
-            </a:r>
-            <a:r>
-              <a:rPr lang="fa-IR" dirty="0">
-                <a:cs typeface="B Nazanin" panose="00000400000000000000" pitchFamily="2" charset="-78"/>
-              </a:rPr>
-              <a:t> ، </a:t>
-            </a:r>
-            <a:r>
-              <a:rPr lang="en-US" dirty="0" err="1">
-                <a:cs typeface="B Nazanin" panose="00000400000000000000" pitchFamily="2" charset="-78"/>
-              </a:rPr>
-              <a:t>gan</a:t>
-            </a:r>
-            <a:r>
-              <a:rPr lang="en-US" dirty="0">
-                <a:cs typeface="B Nazanin" panose="00000400000000000000" pitchFamily="2" charset="-78"/>
-              </a:rPr>
-              <a:t> </a:t>
-            </a:r>
-            <a:r>
-              <a:rPr lang="fa-IR" dirty="0">
-                <a:cs typeface="B Nazanin" panose="00000400000000000000" pitchFamily="2" charset="-78"/>
-              </a:rPr>
-              <a:t> به همراه روش </a:t>
-            </a:r>
-            <a:r>
-              <a:rPr lang="en-US" dirty="0">
-                <a:cs typeface="B Nazanin" panose="00000400000000000000" pitchFamily="2" charset="-78"/>
-              </a:rPr>
-              <a:t>KDE</a:t>
-            </a:r>
-            <a:r>
-              <a:rPr lang="fa-IR" dirty="0">
-                <a:cs typeface="B Nazanin" panose="00000400000000000000" pitchFamily="2" charset="-78"/>
-              </a:rPr>
-              <a:t> ، </a:t>
-            </a:r>
-            <a:r>
-              <a:rPr lang="en-US" dirty="0">
-                <a:cs typeface="B Nazanin" panose="00000400000000000000" pitchFamily="2" charset="-78"/>
-              </a:rPr>
-              <a:t>WGAN</a:t>
-            </a:r>
+              <a:t>VAE</a:t>
+            </a:r>
+            <a:r>
+              <a:rPr lang="fa-IR">
+                <a:cs typeface="B Nazanin" panose="00000400000000000000" pitchFamily="2" charset="-78"/>
+              </a:rPr>
+              <a:t> ....</a:t>
+            </a:r>
+            <a:endParaRPr lang="en-US" dirty="0">
+              <a:cs typeface="B Nazanin" panose="00000400000000000000" pitchFamily="2" charset="-78"/>
+            </a:endParaRPr>
           </a:p>
           <a:p>
             <a:pPr marL="0" indent="0">
